--- a/resources/introductory session-ElevateDevOps.pptx
+++ b/resources/introductory session-ElevateDevOps.pptx
@@ -6,10 +6,11 @@
   </p:sldMasterIdLst>
   <p:sldIdLst>
     <p:sldId id="257" r:id="rId2"/>
-    <p:sldId id="258" r:id="rId3"/>
-    <p:sldId id="259" r:id="rId4"/>
-    <p:sldId id="260" r:id="rId5"/>
-    <p:sldId id="261" r:id="rId6"/>
+    <p:sldId id="262" r:id="rId3"/>
+    <p:sldId id="258" r:id="rId4"/>
+    <p:sldId id="259" r:id="rId5"/>
+    <p:sldId id="260" r:id="rId6"/>
+    <p:sldId id="261" r:id="rId7"/>
   </p:sldIdLst>
   <p:sldSz cx="12192000" cy="6858000"/>
   <p:notesSz cx="6858000" cy="9144000"/>
@@ -3441,7 +3442,7 @@
         <p:spPr>
           <a:xfrm>
             <a:off x="878541" y="1268506"/>
-            <a:ext cx="9377082" cy="2062103"/>
+            <a:ext cx="9377082" cy="2554545"/>
           </a:xfrm>
           <a:prstGeom prst="rect">
             <a:avLst/>
@@ -3453,6 +3454,15 @@
             <a:spAutoFit/>
           </a:bodyPr>
           <a:lstStyle/>
+          <a:p>
+            <a:pPr marL="342900" indent="-342900">
+              <a:buAutoNum type="arabicPeriod"/>
+            </a:pPr>
+            <a:r>
+              <a:rPr lang="en-US" sz="3200" dirty="0"/>
+              <a:t>What You Stand to Gain in This Community</a:t>
+            </a:r>
+          </a:p>
           <a:p>
             <a:pPr marL="342900" indent="-342900">
               <a:buAutoNum type="arabicPeriod"/>
@@ -3558,57 +3568,683 @@
           </a:prstGeom>
         </p:spPr>
       </p:pic>
-      <p:pic>
-        <p:nvPicPr>
-          <p:cNvPr id="1026" name="Picture 2" descr="AWS DevOps Professional | Day 2 Review &amp; Q/A: Introduction to DevOps">
-            <a:extLst>
-              <a:ext uri="{FF2B5EF4-FFF2-40B4-BE49-F238E27FC236}">
-                <a16:creationId xmlns:a16="http://schemas.microsoft.com/office/drawing/2014/main" id="{DA8EE907-EC29-ACE9-B5D0-023952006FE1}"/>
-              </a:ext>
-            </a:extLst>
-          </p:cNvPr>
-          <p:cNvPicPr>
-            <a:picLocks noChangeAspect="1" noChangeArrowheads="1"/>
-          </p:cNvPicPr>
+      <p:sp>
+        <p:nvSpPr>
+          <p:cNvPr id="2" name="TextBox 1">
+            <a:extLst>
+              <a:ext uri="{FF2B5EF4-FFF2-40B4-BE49-F238E27FC236}">
+                <a16:creationId xmlns:a16="http://schemas.microsoft.com/office/drawing/2014/main" id="{69D31241-A942-B3E5-A6E3-8E451A812E9E}"/>
+              </a:ext>
+            </a:extLst>
+          </p:cNvPr>
+          <p:cNvSpPr txBox="1"/>
           <p:nvPr/>
-        </p:nvPicPr>
-        <p:blipFill>
-          <a:blip r:embed="rId3">
-            <a:extLst>
-              <a:ext uri="{28A0092B-C50C-407E-A947-70E740481C1C}">
-                <a14:useLocalDpi xmlns:a14="http://schemas.microsoft.com/office/drawing/2010/main" val="0"/>
-              </a:ext>
-            </a:extLst>
-          </a:blip>
-          <a:srcRect/>
-          <a:stretch>
-            <a:fillRect/>
-          </a:stretch>
-        </p:blipFill>
-        <p:spPr bwMode="auto">
+        </p:nvSpPr>
+        <p:spPr>
           <a:xfrm>
-            <a:off x="1851025" y="0"/>
-            <a:ext cx="8488363" cy="6858000"/>
+            <a:off x="555811" y="89646"/>
+            <a:ext cx="9977718" cy="1569660"/>
           </a:xfrm>
           <a:prstGeom prst="rect">
             <a:avLst/>
           </a:prstGeom>
           <a:noFill/>
+        </p:spPr>
+        <p:txBody>
+          <a:bodyPr wrap="square" rtlCol="0">
+            <a:spAutoFit/>
+          </a:bodyPr>
+          <a:lstStyle/>
+          <a:p>
+            <a:pPr algn="ctr"/>
+            <a:r>
+              <a:rPr lang="en-US" sz="4800" dirty="0">
+                <a:solidFill>
+                  <a:srgbClr val="7030A0"/>
+                </a:solidFill>
+              </a:rPr>
+              <a:t>What You Stand to Gain in This Community</a:t>
+            </a:r>
+          </a:p>
+        </p:txBody>
+      </p:sp>
+      <p:sp>
+        <p:nvSpPr>
+          <p:cNvPr id="3" name="TextBox 2">
+            <a:extLst>
+              <a:ext uri="{FF2B5EF4-FFF2-40B4-BE49-F238E27FC236}">
+                <a16:creationId xmlns:a16="http://schemas.microsoft.com/office/drawing/2014/main" id="{ADA0A8FA-FCBA-A6A1-9D66-A78EBA27A1CB}"/>
+              </a:ext>
+            </a:extLst>
+          </p:cNvPr>
+          <p:cNvSpPr txBox="1"/>
+          <p:nvPr/>
+        </p:nvSpPr>
+        <p:spPr>
+          <a:xfrm>
+            <a:off x="1156447" y="5880848"/>
+            <a:ext cx="9377082" cy="584775"/>
+          </a:xfrm>
+          <a:prstGeom prst="rect">
+            <a:avLst/>
+          </a:prstGeom>
+          <a:noFill/>
+        </p:spPr>
+        <p:txBody>
+          <a:bodyPr wrap="square" rtlCol="0">
+            <a:spAutoFit/>
+          </a:bodyPr>
+          <a:lstStyle/>
+          <a:p>
+            <a:pPr marL="342900" indent="-342900">
+              <a:buAutoNum type="arabicPeriod"/>
+            </a:pPr>
+            <a:endParaRPr lang="en-NG" sz="3200" dirty="0"/>
+          </a:p>
+        </p:txBody>
+      </p:sp>
+      <p:sp>
+        <p:nvSpPr>
+          <p:cNvPr id="4" name="Rectangle 1">
+            <a:extLst>
+              <a:ext uri="{FF2B5EF4-FFF2-40B4-BE49-F238E27FC236}">
+                <a16:creationId xmlns:a16="http://schemas.microsoft.com/office/drawing/2014/main" id="{9D1E9091-128F-4952-EE8E-AD098DCC2270}"/>
+              </a:ext>
+            </a:extLst>
+          </p:cNvPr>
+          <p:cNvSpPr>
+            <a:spLocks noChangeArrowheads="1"/>
+          </p:cNvSpPr>
+          <p:nvPr/>
+        </p:nvSpPr>
+        <p:spPr bwMode="auto">
+          <a:xfrm>
+            <a:off x="125506" y="1942833"/>
+            <a:ext cx="11806437" cy="3139321"/>
+          </a:xfrm>
+          <a:prstGeom prst="rect">
+            <a:avLst/>
+          </a:prstGeom>
+          <a:noFill/>
+          <a:ln>
+            <a:noFill/>
+          </a:ln>
+          <a:effectLst/>
           <a:extLst>
             <a:ext uri="{909E8E84-426E-40DD-AFC4-6F175D3DCCD1}">
               <a14:hiddenFill xmlns:a14="http://schemas.microsoft.com/office/drawing/2010/main">
                 <a:solidFill>
-                  <a:srgbClr val="FFFFFF"/>
+                  <a:schemeClr val="accent1"/>
                 </a:solidFill>
               </a14:hiddenFill>
+            </a:ext>
+            <a:ext uri="{91240B29-F687-4F45-9708-019B960494DF}">
+              <a14:hiddenLine xmlns:a14="http://schemas.microsoft.com/office/drawing/2010/main" w="9525">
+                <a:solidFill>
+                  <a:schemeClr val="tx1"/>
+                </a:solidFill>
+                <a:miter lim="800000"/>
+                <a:headEnd/>
+                <a:tailEnd/>
+              </a14:hiddenLine>
+            </a:ext>
+            <a:ext uri="{AF507438-7753-43E0-B8FC-AC1667EBCBE1}">
+              <a14:hiddenEffects xmlns:a14="http://schemas.microsoft.com/office/drawing/2010/main">
+                <a:effectLst>
+                  <a:outerShdw dist="35921" dir="2700000" algn="ctr" rotWithShape="0">
+                    <a:schemeClr val="bg2"/>
+                  </a:outerShdw>
+                </a:effectLst>
+              </a14:hiddenEffects>
             </a:ext>
           </a:extLst>
         </p:spPr>
-      </p:pic>
+        <p:txBody>
+          <a:bodyPr vert="horz" wrap="none" lIns="91440" tIns="45720" rIns="91440" bIns="45720" numCol="1" anchor="ctr" anchorCtr="0" compatLnSpc="1">
+            <a:prstTxWarp prst="textNoShape">
+              <a:avLst/>
+            </a:prstTxWarp>
+            <a:spAutoFit/>
+          </a:bodyPr>
+          <a:lstStyle/>
+          <a:p>
+            <a:pPr marL="0" marR="0" lvl="0" indent="0" algn="l" defTabSz="914400" rtl="0" eaLnBrk="0" fontAlgn="base" latinLnBrk="0" hangingPunct="0">
+              <a:lnSpc>
+                <a:spcPct val="100000"/>
+              </a:lnSpc>
+              <a:spcBef>
+                <a:spcPct val="0"/>
+              </a:spcBef>
+              <a:spcAft>
+                <a:spcPct val="0"/>
+              </a:spcAft>
+              <a:buClrTx/>
+              <a:buSzTx/>
+              <a:buFontTx/>
+              <a:buChar char="•"/>
+              <a:tabLst/>
+            </a:pPr>
+            <a:r>
+              <a:rPr kumimoji="0" lang="en-US" altLang="en-NG" sz="1800" b="1" i="0" u="none" strike="noStrike" cap="none" normalizeH="0" baseline="0" dirty="0">
+                <a:ln>
+                  <a:noFill/>
+                </a:ln>
+                <a:solidFill>
+                  <a:schemeClr val="tx1"/>
+                </a:solidFill>
+                <a:effectLst/>
+                <a:latin typeface="Arial" panose="020B0604020202020204" pitchFamily="34" charset="0"/>
+              </a:rPr>
+              <a:t> </a:t>
+            </a:r>
+            <a:r>
+              <a:rPr kumimoji="0" lang="en-NG" altLang="en-NG" sz="1800" b="1" i="0" u="none" strike="noStrike" cap="none" normalizeH="0" baseline="0" dirty="0">
+                <a:ln>
+                  <a:noFill/>
+                </a:ln>
+                <a:solidFill>
+                  <a:schemeClr val="tx1"/>
+                </a:solidFill>
+                <a:effectLst/>
+                <a:latin typeface="Arial" panose="020B0604020202020204" pitchFamily="34" charset="0"/>
+              </a:rPr>
+              <a:t>Accountability</a:t>
+            </a:r>
+            <a:r>
+              <a:rPr kumimoji="0" lang="en-NG" altLang="en-NG" sz="1800" b="0" i="0" u="none" strike="noStrike" cap="none" normalizeH="0" baseline="0" dirty="0">
+                <a:ln>
+                  <a:noFill/>
+                </a:ln>
+                <a:solidFill>
+                  <a:schemeClr val="tx1"/>
+                </a:solidFill>
+                <a:effectLst/>
+                <a:latin typeface="Arial" panose="020B0604020202020204" pitchFamily="34" charset="0"/>
+              </a:rPr>
+              <a:t>: Stay on track with your DevOps journey through consistent check-ins and shared goals.</a:t>
+            </a:r>
+            <a:endParaRPr kumimoji="0" lang="en-US" altLang="en-NG" sz="1800" b="0" i="0" u="none" strike="noStrike" cap="none" normalizeH="0" baseline="0" dirty="0">
+              <a:ln>
+                <a:noFill/>
+              </a:ln>
+              <a:solidFill>
+                <a:schemeClr val="tx1"/>
+              </a:solidFill>
+              <a:effectLst/>
+              <a:latin typeface="Arial" panose="020B0604020202020204" pitchFamily="34" charset="0"/>
+            </a:endParaRPr>
+          </a:p>
+          <a:p>
+            <a:pPr marL="0" marR="0" lvl="0" indent="0" algn="l" defTabSz="914400" rtl="0" eaLnBrk="0" fontAlgn="base" latinLnBrk="0" hangingPunct="0">
+              <a:lnSpc>
+                <a:spcPct val="100000"/>
+              </a:lnSpc>
+              <a:spcBef>
+                <a:spcPct val="0"/>
+              </a:spcBef>
+              <a:spcAft>
+                <a:spcPct val="0"/>
+              </a:spcAft>
+              <a:buClrTx/>
+              <a:buSzTx/>
+              <a:buFontTx/>
+              <a:buChar char="•"/>
+              <a:tabLst/>
+            </a:pPr>
+            <a:endParaRPr kumimoji="0" lang="en-NG" altLang="en-NG" sz="1800" b="0" i="0" u="none" strike="noStrike" cap="none" normalizeH="0" baseline="0" dirty="0">
+              <a:ln>
+                <a:noFill/>
+              </a:ln>
+              <a:solidFill>
+                <a:schemeClr val="tx1"/>
+              </a:solidFill>
+              <a:effectLst/>
+              <a:latin typeface="Arial" panose="020B0604020202020204" pitchFamily="34" charset="0"/>
+            </a:endParaRPr>
+          </a:p>
+          <a:p>
+            <a:pPr marL="0" marR="0" lvl="0" indent="0" algn="l" defTabSz="914400" rtl="0" eaLnBrk="0" fontAlgn="base" latinLnBrk="0" hangingPunct="0">
+              <a:lnSpc>
+                <a:spcPct val="100000"/>
+              </a:lnSpc>
+              <a:spcBef>
+                <a:spcPct val="0"/>
+              </a:spcBef>
+              <a:spcAft>
+                <a:spcPct val="0"/>
+              </a:spcAft>
+              <a:buClrTx/>
+              <a:buSzTx/>
+              <a:buFontTx/>
+              <a:buChar char="•"/>
+              <a:tabLst/>
+            </a:pPr>
+            <a:r>
+              <a:rPr kumimoji="0" lang="en-US" altLang="en-NG" sz="1800" b="1" i="0" u="none" strike="noStrike" cap="none" normalizeH="0" baseline="0" dirty="0">
+                <a:ln>
+                  <a:noFill/>
+                </a:ln>
+                <a:solidFill>
+                  <a:schemeClr val="tx1"/>
+                </a:solidFill>
+                <a:effectLst/>
+                <a:latin typeface="Arial" panose="020B0604020202020204" pitchFamily="34" charset="0"/>
+              </a:rPr>
+              <a:t> </a:t>
+            </a:r>
+            <a:r>
+              <a:rPr kumimoji="0" lang="en-NG" altLang="en-NG" sz="1800" b="1" i="0" u="none" strike="noStrike" cap="none" normalizeH="0" baseline="0" dirty="0">
+                <a:ln>
+                  <a:noFill/>
+                </a:ln>
+                <a:solidFill>
+                  <a:schemeClr val="tx1"/>
+                </a:solidFill>
+                <a:effectLst/>
+                <a:latin typeface="Arial" panose="020B0604020202020204" pitchFamily="34" charset="0"/>
+              </a:rPr>
+              <a:t>Learning Together</a:t>
+            </a:r>
+            <a:r>
+              <a:rPr kumimoji="0" lang="en-NG" altLang="en-NG" sz="1800" b="0" i="0" u="none" strike="noStrike" cap="none" normalizeH="0" baseline="0" dirty="0">
+                <a:ln>
+                  <a:noFill/>
+                </a:ln>
+                <a:solidFill>
+                  <a:schemeClr val="tx1"/>
+                </a:solidFill>
+                <a:effectLst/>
+                <a:latin typeface="Arial" panose="020B0604020202020204" pitchFamily="34" charset="0"/>
+              </a:rPr>
+              <a:t>: Collaborate and grow with fellow DevOps enthusiasts, sharing knowledge and experiences.</a:t>
+            </a:r>
+            <a:endParaRPr kumimoji="0" lang="en-US" altLang="en-NG" sz="1800" b="0" i="0" u="none" strike="noStrike" cap="none" normalizeH="0" baseline="0" dirty="0">
+              <a:ln>
+                <a:noFill/>
+              </a:ln>
+              <a:solidFill>
+                <a:schemeClr val="tx1"/>
+              </a:solidFill>
+              <a:effectLst/>
+              <a:latin typeface="Arial" panose="020B0604020202020204" pitchFamily="34" charset="0"/>
+            </a:endParaRPr>
+          </a:p>
+          <a:p>
+            <a:pPr marL="0" marR="0" lvl="0" indent="0" algn="l" defTabSz="914400" rtl="0" eaLnBrk="0" fontAlgn="base" latinLnBrk="0" hangingPunct="0">
+              <a:lnSpc>
+                <a:spcPct val="100000"/>
+              </a:lnSpc>
+              <a:spcBef>
+                <a:spcPct val="0"/>
+              </a:spcBef>
+              <a:spcAft>
+                <a:spcPct val="0"/>
+              </a:spcAft>
+              <a:buClrTx/>
+              <a:buSzTx/>
+              <a:buFontTx/>
+              <a:buChar char="•"/>
+              <a:tabLst/>
+            </a:pPr>
+            <a:endParaRPr kumimoji="0" lang="en-NG" altLang="en-NG" sz="1800" b="0" i="0" u="none" strike="noStrike" cap="none" normalizeH="0" baseline="0" dirty="0">
+              <a:ln>
+                <a:noFill/>
+              </a:ln>
+              <a:solidFill>
+                <a:schemeClr val="tx1"/>
+              </a:solidFill>
+              <a:effectLst/>
+              <a:latin typeface="Arial" panose="020B0604020202020204" pitchFamily="34" charset="0"/>
+            </a:endParaRPr>
+          </a:p>
+          <a:p>
+            <a:pPr marL="0" marR="0" lvl="0" indent="0" algn="l" defTabSz="914400" rtl="0" eaLnBrk="0" fontAlgn="base" latinLnBrk="0" hangingPunct="0">
+              <a:lnSpc>
+                <a:spcPct val="100000"/>
+              </a:lnSpc>
+              <a:spcBef>
+                <a:spcPct val="0"/>
+              </a:spcBef>
+              <a:spcAft>
+                <a:spcPct val="0"/>
+              </a:spcAft>
+              <a:buClrTx/>
+              <a:buSzTx/>
+              <a:buFontTx/>
+              <a:buChar char="•"/>
+              <a:tabLst/>
+            </a:pPr>
+            <a:r>
+              <a:rPr kumimoji="0" lang="en-US" altLang="en-NG" sz="1800" b="1" i="0" u="none" strike="noStrike" cap="none" normalizeH="0" baseline="0" dirty="0">
+                <a:ln>
+                  <a:noFill/>
+                </a:ln>
+                <a:solidFill>
+                  <a:schemeClr val="tx1"/>
+                </a:solidFill>
+                <a:effectLst/>
+                <a:latin typeface="Arial" panose="020B0604020202020204" pitchFamily="34" charset="0"/>
+              </a:rPr>
+              <a:t> </a:t>
+            </a:r>
+            <a:r>
+              <a:rPr kumimoji="0" lang="en-NG" altLang="en-NG" sz="1800" b="1" i="0" u="none" strike="noStrike" cap="none" normalizeH="0" baseline="0" dirty="0">
+                <a:ln>
+                  <a:noFill/>
+                </a:ln>
+                <a:solidFill>
+                  <a:schemeClr val="tx1"/>
+                </a:solidFill>
+                <a:effectLst/>
+                <a:latin typeface="Arial" panose="020B0604020202020204" pitchFamily="34" charset="0"/>
+              </a:rPr>
+              <a:t>Structured Roadmap</a:t>
+            </a:r>
+            <a:r>
+              <a:rPr kumimoji="0" lang="en-NG" altLang="en-NG" sz="1800" b="0" i="0" u="none" strike="noStrike" cap="none" normalizeH="0" baseline="0" dirty="0">
+                <a:ln>
+                  <a:noFill/>
+                </a:ln>
+                <a:solidFill>
+                  <a:schemeClr val="tx1"/>
+                </a:solidFill>
+                <a:effectLst/>
+                <a:latin typeface="Arial" panose="020B0604020202020204" pitchFamily="34" charset="0"/>
+              </a:rPr>
+              <a:t>: Follow a clear and organized path to mastering DevOps skills over 90 days.</a:t>
+            </a:r>
+            <a:endParaRPr kumimoji="0" lang="en-US" altLang="en-NG" sz="1800" b="0" i="0" u="none" strike="noStrike" cap="none" normalizeH="0" baseline="0" dirty="0">
+              <a:ln>
+                <a:noFill/>
+              </a:ln>
+              <a:solidFill>
+                <a:schemeClr val="tx1"/>
+              </a:solidFill>
+              <a:effectLst/>
+              <a:latin typeface="Arial" panose="020B0604020202020204" pitchFamily="34" charset="0"/>
+            </a:endParaRPr>
+          </a:p>
+          <a:p>
+            <a:pPr marL="0" marR="0" lvl="0" indent="0" algn="l" defTabSz="914400" rtl="0" eaLnBrk="0" fontAlgn="base" latinLnBrk="0" hangingPunct="0">
+              <a:lnSpc>
+                <a:spcPct val="100000"/>
+              </a:lnSpc>
+              <a:spcBef>
+                <a:spcPct val="0"/>
+              </a:spcBef>
+              <a:spcAft>
+                <a:spcPct val="0"/>
+              </a:spcAft>
+              <a:buClrTx/>
+              <a:buSzTx/>
+              <a:buFontTx/>
+              <a:buChar char="•"/>
+              <a:tabLst/>
+            </a:pPr>
+            <a:endParaRPr kumimoji="0" lang="en-NG" altLang="en-NG" sz="1800" b="0" i="0" u="none" strike="noStrike" cap="none" normalizeH="0" baseline="0" dirty="0">
+              <a:ln>
+                <a:noFill/>
+              </a:ln>
+              <a:solidFill>
+                <a:schemeClr val="tx1"/>
+              </a:solidFill>
+              <a:effectLst/>
+              <a:latin typeface="Arial" panose="020B0604020202020204" pitchFamily="34" charset="0"/>
+            </a:endParaRPr>
+          </a:p>
+          <a:p>
+            <a:pPr marL="0" marR="0" lvl="0" indent="0" algn="l" defTabSz="914400" rtl="0" eaLnBrk="0" fontAlgn="base" latinLnBrk="0" hangingPunct="0">
+              <a:lnSpc>
+                <a:spcPct val="100000"/>
+              </a:lnSpc>
+              <a:spcBef>
+                <a:spcPct val="0"/>
+              </a:spcBef>
+              <a:spcAft>
+                <a:spcPct val="0"/>
+              </a:spcAft>
+              <a:buClrTx/>
+              <a:buSzTx/>
+              <a:buFontTx/>
+              <a:buChar char="•"/>
+              <a:tabLst/>
+            </a:pPr>
+            <a:r>
+              <a:rPr kumimoji="0" lang="en-US" altLang="en-NG" sz="1800" b="1" i="0" u="none" strike="noStrike" cap="none" normalizeH="0" baseline="0" dirty="0">
+                <a:ln>
+                  <a:noFill/>
+                </a:ln>
+                <a:solidFill>
+                  <a:schemeClr val="tx1"/>
+                </a:solidFill>
+                <a:effectLst/>
+                <a:latin typeface="Arial" panose="020B0604020202020204" pitchFamily="34" charset="0"/>
+              </a:rPr>
+              <a:t> </a:t>
+            </a:r>
+            <a:r>
+              <a:rPr kumimoji="0" lang="en-NG" altLang="en-NG" sz="1800" b="1" i="0" u="none" strike="noStrike" cap="none" normalizeH="0" baseline="0" dirty="0">
+                <a:ln>
+                  <a:noFill/>
+                </a:ln>
+                <a:solidFill>
+                  <a:schemeClr val="tx1"/>
+                </a:solidFill>
+                <a:effectLst/>
+                <a:latin typeface="Arial" panose="020B0604020202020204" pitchFamily="34" charset="0"/>
+              </a:rPr>
+              <a:t>Community Support</a:t>
+            </a:r>
+            <a:r>
+              <a:rPr kumimoji="0" lang="en-NG" altLang="en-NG" sz="1800" b="0" i="0" u="none" strike="noStrike" cap="none" normalizeH="0" baseline="0" dirty="0">
+                <a:ln>
+                  <a:noFill/>
+                </a:ln>
+                <a:solidFill>
+                  <a:schemeClr val="tx1"/>
+                </a:solidFill>
+                <a:effectLst/>
+                <a:latin typeface="Arial" panose="020B0604020202020204" pitchFamily="34" charset="0"/>
+              </a:rPr>
+              <a:t>: Get help, feedback, and motivation from a group of like-minded individuals.</a:t>
+            </a:r>
+            <a:endParaRPr kumimoji="0" lang="en-US" altLang="en-NG" sz="1800" b="0" i="0" u="none" strike="noStrike" cap="none" normalizeH="0" baseline="0" dirty="0">
+              <a:ln>
+                <a:noFill/>
+              </a:ln>
+              <a:solidFill>
+                <a:schemeClr val="tx1"/>
+              </a:solidFill>
+              <a:effectLst/>
+              <a:latin typeface="Arial" panose="020B0604020202020204" pitchFamily="34" charset="0"/>
+            </a:endParaRPr>
+          </a:p>
+          <a:p>
+            <a:pPr marL="0" marR="0" lvl="0" indent="0" algn="l" defTabSz="914400" rtl="0" eaLnBrk="0" fontAlgn="base" latinLnBrk="0" hangingPunct="0">
+              <a:lnSpc>
+                <a:spcPct val="100000"/>
+              </a:lnSpc>
+              <a:spcBef>
+                <a:spcPct val="0"/>
+              </a:spcBef>
+              <a:spcAft>
+                <a:spcPct val="0"/>
+              </a:spcAft>
+              <a:buClrTx/>
+              <a:buSzTx/>
+              <a:buFontTx/>
+              <a:buChar char="•"/>
+              <a:tabLst/>
+            </a:pPr>
+            <a:endParaRPr kumimoji="0" lang="en-NG" altLang="en-NG" sz="1800" b="0" i="0" u="none" strike="noStrike" cap="none" normalizeH="0" baseline="0" dirty="0">
+              <a:ln>
+                <a:noFill/>
+              </a:ln>
+              <a:solidFill>
+                <a:schemeClr val="tx1"/>
+              </a:solidFill>
+              <a:effectLst/>
+              <a:latin typeface="Arial" panose="020B0604020202020204" pitchFamily="34" charset="0"/>
+            </a:endParaRPr>
+          </a:p>
+          <a:p>
+            <a:pPr marL="0" marR="0" lvl="0" indent="0" algn="l" defTabSz="914400" rtl="0" eaLnBrk="0" fontAlgn="base" latinLnBrk="0" hangingPunct="0">
+              <a:lnSpc>
+                <a:spcPct val="100000"/>
+              </a:lnSpc>
+              <a:spcBef>
+                <a:spcPct val="0"/>
+              </a:spcBef>
+              <a:spcAft>
+                <a:spcPct val="0"/>
+              </a:spcAft>
+              <a:buClrTx/>
+              <a:buSzTx/>
+              <a:buFontTx/>
+              <a:buChar char="•"/>
+              <a:tabLst/>
+            </a:pPr>
+            <a:r>
+              <a:rPr kumimoji="0" lang="en-US" altLang="en-NG" sz="1800" b="1" i="0" u="none" strike="noStrike" cap="none" normalizeH="0" baseline="0" dirty="0">
+                <a:ln>
+                  <a:noFill/>
+                </a:ln>
+                <a:solidFill>
+                  <a:schemeClr val="tx1"/>
+                </a:solidFill>
+                <a:effectLst/>
+                <a:latin typeface="Arial" panose="020B0604020202020204" pitchFamily="34" charset="0"/>
+              </a:rPr>
+              <a:t> </a:t>
+            </a:r>
+            <a:r>
+              <a:rPr kumimoji="0" lang="en-NG" altLang="en-NG" sz="1800" b="1" i="0" u="none" strike="noStrike" cap="none" normalizeH="0" baseline="0" dirty="0">
+                <a:ln>
+                  <a:noFill/>
+                </a:ln>
+                <a:solidFill>
+                  <a:schemeClr val="tx1"/>
+                </a:solidFill>
+                <a:effectLst/>
+                <a:latin typeface="Arial" panose="020B0604020202020204" pitchFamily="34" charset="0"/>
+              </a:rPr>
+              <a:t>Practical Experience</a:t>
+            </a:r>
+            <a:r>
+              <a:rPr kumimoji="0" lang="en-NG" altLang="en-NG" sz="1800" b="0" i="0" u="none" strike="noStrike" cap="none" normalizeH="0" baseline="0" dirty="0">
+                <a:ln>
+                  <a:noFill/>
+                </a:ln>
+                <a:solidFill>
+                  <a:schemeClr val="tx1"/>
+                </a:solidFill>
+                <a:effectLst/>
+                <a:latin typeface="Arial" panose="020B0604020202020204" pitchFamily="34" charset="0"/>
+              </a:rPr>
+              <a:t>: Gain hands-on experience through real-world projects and contributions.</a:t>
+            </a:r>
+            <a:endParaRPr kumimoji="0" lang="en-US" altLang="en-NG" sz="1800" b="0" i="0" u="none" strike="noStrike" cap="none" normalizeH="0" baseline="0" dirty="0">
+              <a:ln>
+                <a:noFill/>
+              </a:ln>
+              <a:solidFill>
+                <a:schemeClr val="tx1"/>
+              </a:solidFill>
+              <a:effectLst/>
+              <a:latin typeface="Arial" panose="020B0604020202020204" pitchFamily="34" charset="0"/>
+            </a:endParaRPr>
+          </a:p>
+          <a:p>
+            <a:pPr marL="0" marR="0" lvl="0" indent="0" algn="l" defTabSz="914400" rtl="0" eaLnBrk="0" fontAlgn="base" latinLnBrk="0" hangingPunct="0">
+              <a:lnSpc>
+                <a:spcPct val="100000"/>
+              </a:lnSpc>
+              <a:spcBef>
+                <a:spcPct val="0"/>
+              </a:spcBef>
+              <a:spcAft>
+                <a:spcPct val="0"/>
+              </a:spcAft>
+              <a:buClrTx/>
+              <a:buSzTx/>
+              <a:buFontTx/>
+              <a:buChar char="•"/>
+              <a:tabLst/>
+            </a:pPr>
+            <a:endParaRPr kumimoji="0" lang="en-NG" altLang="en-NG" sz="1800" b="0" i="0" u="none" strike="noStrike" cap="none" normalizeH="0" baseline="0" dirty="0">
+              <a:ln>
+                <a:noFill/>
+              </a:ln>
+              <a:solidFill>
+                <a:schemeClr val="tx1"/>
+              </a:solidFill>
+              <a:effectLst/>
+              <a:latin typeface="Arial" panose="020B0604020202020204" pitchFamily="34" charset="0"/>
+            </a:endParaRPr>
+          </a:p>
+          <a:p>
+            <a:pPr marL="0" marR="0" lvl="0" indent="0" algn="l" defTabSz="914400" rtl="0" eaLnBrk="0" fontAlgn="base" latinLnBrk="0" hangingPunct="0">
+              <a:lnSpc>
+                <a:spcPct val="100000"/>
+              </a:lnSpc>
+              <a:spcBef>
+                <a:spcPct val="0"/>
+              </a:spcBef>
+              <a:spcAft>
+                <a:spcPct val="0"/>
+              </a:spcAft>
+              <a:buClrTx/>
+              <a:buSzTx/>
+              <a:buFontTx/>
+              <a:buChar char="•"/>
+              <a:tabLst/>
+            </a:pPr>
+            <a:r>
+              <a:rPr kumimoji="0" lang="en-US" altLang="en-NG" sz="1800" b="1" i="0" u="none" strike="noStrike" cap="none" normalizeH="0" baseline="0" dirty="0">
+                <a:ln>
+                  <a:noFill/>
+                </a:ln>
+                <a:solidFill>
+                  <a:schemeClr val="tx1"/>
+                </a:solidFill>
+                <a:effectLst/>
+                <a:latin typeface="Arial" panose="020B0604020202020204" pitchFamily="34" charset="0"/>
+              </a:rPr>
+              <a:t> </a:t>
+            </a:r>
+            <a:r>
+              <a:rPr kumimoji="0" lang="en-NG" altLang="en-NG" sz="1800" b="1" i="0" u="none" strike="noStrike" cap="none" normalizeH="0" baseline="0" dirty="0">
+                <a:ln>
+                  <a:noFill/>
+                </a:ln>
+                <a:solidFill>
+                  <a:schemeClr val="tx1"/>
+                </a:solidFill>
+                <a:effectLst/>
+                <a:latin typeface="Arial" panose="020B0604020202020204" pitchFamily="34" charset="0"/>
+              </a:rPr>
+              <a:t>Networking Opportunities</a:t>
+            </a:r>
+            <a:r>
+              <a:rPr kumimoji="0" lang="en-NG" altLang="en-NG" sz="1800" b="0" i="0" u="none" strike="noStrike" cap="none" normalizeH="0" baseline="0" dirty="0">
+                <a:ln>
+                  <a:noFill/>
+                </a:ln>
+                <a:solidFill>
+                  <a:schemeClr val="tx1"/>
+                </a:solidFill>
+                <a:effectLst/>
+                <a:latin typeface="Arial" panose="020B0604020202020204" pitchFamily="34" charset="0"/>
+              </a:rPr>
+              <a:t>: Connect with peers and industry professionals to expand your network. </a:t>
+            </a:r>
+          </a:p>
+        </p:txBody>
+      </p:sp>
     </p:spTree>
     <p:extLst>
       <p:ext uri="{BB962C8B-B14F-4D97-AF65-F5344CB8AC3E}">
-        <p14:creationId xmlns:p14="http://schemas.microsoft.com/office/powerpoint/2010/main" val="1727227700"/>
+        <p14:creationId xmlns:p14="http://schemas.microsoft.com/office/powerpoint/2010/main" val="2369861894"/>
       </p:ext>
     </p:extLst>
   </p:cSld>
@@ -3671,159 +4307,57 @@
           </a:prstGeom>
         </p:spPr>
       </p:pic>
-      <p:sp>
-        <p:nvSpPr>
-          <p:cNvPr id="2" name="TextBox 1">
-            <a:extLst>
-              <a:ext uri="{FF2B5EF4-FFF2-40B4-BE49-F238E27FC236}">
-                <a16:creationId xmlns:a16="http://schemas.microsoft.com/office/drawing/2014/main" id="{8D3653A0-3F4E-0096-CC6E-614E948A5790}"/>
-              </a:ext>
-            </a:extLst>
-          </p:cNvPr>
-          <p:cNvSpPr txBox="1"/>
+      <p:pic>
+        <p:nvPicPr>
+          <p:cNvPr id="1026" name="Picture 2" descr="AWS DevOps Professional | Day 2 Review &amp; Q/A: Introduction to DevOps">
+            <a:extLst>
+              <a:ext uri="{FF2B5EF4-FFF2-40B4-BE49-F238E27FC236}">
+                <a16:creationId xmlns:a16="http://schemas.microsoft.com/office/drawing/2014/main" id="{DA8EE907-EC29-ACE9-B5D0-023952006FE1}"/>
+              </a:ext>
+            </a:extLst>
+          </p:cNvPr>
+          <p:cNvPicPr>
+            <a:picLocks noChangeAspect="1" noChangeArrowheads="1"/>
+          </p:cNvPicPr>
           <p:nvPr/>
-        </p:nvSpPr>
-        <p:spPr>
+        </p:nvPicPr>
+        <p:blipFill>
+          <a:blip r:embed="rId3">
+            <a:extLst>
+              <a:ext uri="{28A0092B-C50C-407E-A947-70E740481C1C}">
+                <a14:useLocalDpi xmlns:a14="http://schemas.microsoft.com/office/drawing/2010/main" val="0"/>
+              </a:ext>
+            </a:extLst>
+          </a:blip>
+          <a:srcRect/>
+          <a:stretch>
+            <a:fillRect/>
+          </a:stretch>
+        </p:blipFill>
+        <p:spPr bwMode="auto">
           <a:xfrm>
-            <a:off x="3765176" y="346286"/>
-            <a:ext cx="6239436" cy="1323439"/>
+            <a:off x="1851025" y="0"/>
+            <a:ext cx="8488363" cy="6858000"/>
           </a:xfrm>
           <a:prstGeom prst="rect">
             <a:avLst/>
           </a:prstGeom>
           <a:noFill/>
+          <a:extLst>
+            <a:ext uri="{909E8E84-426E-40DD-AFC4-6F175D3DCCD1}">
+              <a14:hiddenFill xmlns:a14="http://schemas.microsoft.com/office/drawing/2010/main">
+                <a:solidFill>
+                  <a:srgbClr val="FFFFFF"/>
+                </a:solidFill>
+              </a14:hiddenFill>
+            </a:ext>
+          </a:extLst>
         </p:spPr>
-        <p:txBody>
-          <a:bodyPr wrap="square" rtlCol="0">
-            <a:spAutoFit/>
-          </a:bodyPr>
-          <a:lstStyle/>
-          <a:p>
-            <a:r>
-              <a:rPr lang="en-US" sz="4000" dirty="0">
-                <a:solidFill>
-                  <a:srgbClr val="7030A0"/>
-                </a:solidFill>
-              </a:rPr>
-              <a:t>What is git </a:t>
-            </a:r>
-            <a:r>
-              <a:rPr lang="en-NG" sz="4000" dirty="0"/>
-              <a:t>🤔</a:t>
-            </a:r>
-            <a:r>
-              <a:rPr lang="en-US" sz="4000" dirty="0">
-                <a:solidFill>
-                  <a:srgbClr val="7030A0"/>
-                </a:solidFill>
-              </a:rPr>
-              <a:t> </a:t>
-            </a:r>
-          </a:p>
-          <a:p>
-            <a:endParaRPr lang="en-NG" sz="4000" dirty="0"/>
-          </a:p>
-        </p:txBody>
-      </p:sp>
-      <p:sp>
-        <p:nvSpPr>
-          <p:cNvPr id="3" name="TextBox 2">
-            <a:extLst>
-              <a:ext uri="{FF2B5EF4-FFF2-40B4-BE49-F238E27FC236}">
-                <a16:creationId xmlns:a16="http://schemas.microsoft.com/office/drawing/2014/main" id="{FDC6E995-AA27-A1CC-40D8-6609652E65D9}"/>
-              </a:ext>
-            </a:extLst>
-          </p:cNvPr>
-          <p:cNvSpPr txBox="1"/>
-          <p:nvPr/>
-        </p:nvSpPr>
-        <p:spPr>
-          <a:xfrm>
-            <a:off x="143435" y="1183341"/>
-            <a:ext cx="11967883" cy="3139321"/>
-          </a:xfrm>
-          <a:prstGeom prst="rect">
-            <a:avLst/>
-          </a:prstGeom>
-          <a:noFill/>
-        </p:spPr>
-        <p:txBody>
-          <a:bodyPr wrap="square" rtlCol="0">
-            <a:spAutoFit/>
-          </a:bodyPr>
-          <a:lstStyle/>
-          <a:p>
-            <a:r>
-              <a:rPr lang="en-US" dirty="0"/>
-              <a:t>Git is a powerful version control system that tracks changes in your code over time. It allows multiple people to work on the same project simultaneously without interfering with each other’s work. </a:t>
-            </a:r>
-          </a:p>
-          <a:p>
-            <a:endParaRPr lang="en-US" dirty="0"/>
-          </a:p>
-          <a:p>
-            <a:r>
-              <a:rPr lang="en-US" dirty="0"/>
-              <a:t>For instance, Imagine you’re working on a coding project and accidentally delete a crucial file. With Git, you can easily revert to a previous version of your project and recover the lost work. Git acts like a time machine, allowing you to travel back to any point in your project’s history.</a:t>
-            </a:r>
-          </a:p>
-          <a:p>
-            <a:endParaRPr lang="en-US" dirty="0"/>
-          </a:p>
-          <a:p>
-            <a:r>
-              <a:rPr lang="en-US" b="1" dirty="0"/>
-              <a:t>Key Features of Git:</a:t>
-            </a:r>
-          </a:p>
-          <a:p>
-            <a:pPr>
-              <a:buFont typeface="Arial" panose="020B0604020202020204" pitchFamily="34" charset="0"/>
-              <a:buChar char="•"/>
-            </a:pPr>
-            <a:r>
-              <a:rPr lang="en-US" b="1" dirty="0"/>
-              <a:t> Version Control:</a:t>
-            </a:r>
-            <a:r>
-              <a:rPr lang="en-US" dirty="0"/>
-              <a:t> Keep track of changes in your code.</a:t>
-            </a:r>
-          </a:p>
-          <a:p>
-            <a:pPr>
-              <a:buFont typeface="Arial" panose="020B0604020202020204" pitchFamily="34" charset="0"/>
-              <a:buChar char="•"/>
-            </a:pPr>
-            <a:r>
-              <a:rPr lang="en-US" b="1" dirty="0"/>
-              <a:t> Branching and Merging:</a:t>
-            </a:r>
-            <a:r>
-              <a:rPr lang="en-US" dirty="0"/>
-              <a:t> Work on different features or fixes simultaneously and merge them when ready.</a:t>
-            </a:r>
-          </a:p>
-          <a:p>
-            <a:pPr>
-              <a:buFont typeface="Arial" panose="020B0604020202020204" pitchFamily="34" charset="0"/>
-              <a:buChar char="•"/>
-            </a:pPr>
-            <a:r>
-              <a:rPr lang="en-US" b="1" dirty="0"/>
-              <a:t> Distributed System:</a:t>
-            </a:r>
-            <a:r>
-              <a:rPr lang="en-US" dirty="0"/>
-              <a:t> Everyone has a full project copy, ensuring no data is lost.</a:t>
-            </a:r>
-          </a:p>
-        </p:txBody>
-      </p:sp>
+      </p:pic>
     </p:spTree>
     <p:extLst>
       <p:ext uri="{BB962C8B-B14F-4D97-AF65-F5344CB8AC3E}">
-        <p14:creationId xmlns:p14="http://schemas.microsoft.com/office/powerpoint/2010/main" val="944604042"/>
+        <p14:creationId xmlns:p14="http://schemas.microsoft.com/office/powerpoint/2010/main" val="1727227700"/>
       </p:ext>
     </p:extLst>
   </p:cSld>
@@ -3920,6 +4454,221 @@
                   <a:srgbClr val="7030A0"/>
                 </a:solidFill>
               </a:rPr>
+              <a:t>What is git </a:t>
+            </a:r>
+            <a:r>
+              <a:rPr lang="en-NG" sz="4000" dirty="0"/>
+              <a:t>🤔</a:t>
+            </a:r>
+            <a:r>
+              <a:rPr lang="en-US" sz="4000" dirty="0">
+                <a:solidFill>
+                  <a:srgbClr val="7030A0"/>
+                </a:solidFill>
+              </a:rPr>
+              <a:t> </a:t>
+            </a:r>
+          </a:p>
+          <a:p>
+            <a:endParaRPr lang="en-NG" sz="4000" dirty="0"/>
+          </a:p>
+        </p:txBody>
+      </p:sp>
+      <p:sp>
+        <p:nvSpPr>
+          <p:cNvPr id="3" name="TextBox 2">
+            <a:extLst>
+              <a:ext uri="{FF2B5EF4-FFF2-40B4-BE49-F238E27FC236}">
+                <a16:creationId xmlns:a16="http://schemas.microsoft.com/office/drawing/2014/main" id="{FDC6E995-AA27-A1CC-40D8-6609652E65D9}"/>
+              </a:ext>
+            </a:extLst>
+          </p:cNvPr>
+          <p:cNvSpPr txBox="1"/>
+          <p:nvPr/>
+        </p:nvSpPr>
+        <p:spPr>
+          <a:xfrm>
+            <a:off x="143435" y="1183341"/>
+            <a:ext cx="11967883" cy="3139321"/>
+          </a:xfrm>
+          <a:prstGeom prst="rect">
+            <a:avLst/>
+          </a:prstGeom>
+          <a:noFill/>
+        </p:spPr>
+        <p:txBody>
+          <a:bodyPr wrap="square" rtlCol="0">
+            <a:spAutoFit/>
+          </a:bodyPr>
+          <a:lstStyle/>
+          <a:p>
+            <a:r>
+              <a:rPr lang="en-US" dirty="0"/>
+              <a:t>Git is a powerful version control system that tracks changes in your code over time. It allows multiple people to work on the same project simultaneously without interfering with each other’s work. </a:t>
+            </a:r>
+          </a:p>
+          <a:p>
+            <a:endParaRPr lang="en-US" dirty="0"/>
+          </a:p>
+          <a:p>
+            <a:r>
+              <a:rPr lang="en-US" dirty="0"/>
+              <a:t>For instance, Imagine you’re working on a coding project and accidentally delete a crucial file. With Git, you can easily revert to a previous version of your project and recover the lost work. Git acts like a time machine, allowing you to travel back to any point in your project’s history.</a:t>
+            </a:r>
+          </a:p>
+          <a:p>
+            <a:endParaRPr lang="en-US" dirty="0"/>
+          </a:p>
+          <a:p>
+            <a:r>
+              <a:rPr lang="en-US" b="1" dirty="0"/>
+              <a:t>Key Features of Git:</a:t>
+            </a:r>
+          </a:p>
+          <a:p>
+            <a:pPr>
+              <a:buFont typeface="Arial" panose="020B0604020202020204" pitchFamily="34" charset="0"/>
+              <a:buChar char="•"/>
+            </a:pPr>
+            <a:r>
+              <a:rPr lang="en-US" b="1" dirty="0"/>
+              <a:t> Version Control:</a:t>
+            </a:r>
+            <a:r>
+              <a:rPr lang="en-US" dirty="0"/>
+              <a:t> Keep track of changes in your code.</a:t>
+            </a:r>
+          </a:p>
+          <a:p>
+            <a:pPr>
+              <a:buFont typeface="Arial" panose="020B0604020202020204" pitchFamily="34" charset="0"/>
+              <a:buChar char="•"/>
+            </a:pPr>
+            <a:r>
+              <a:rPr lang="en-US" b="1" dirty="0"/>
+              <a:t> Branching and Merging:</a:t>
+            </a:r>
+            <a:r>
+              <a:rPr lang="en-US" dirty="0"/>
+              <a:t> Work on different features or fixes simultaneously and merge them when ready.</a:t>
+            </a:r>
+          </a:p>
+          <a:p>
+            <a:pPr>
+              <a:buFont typeface="Arial" panose="020B0604020202020204" pitchFamily="34" charset="0"/>
+              <a:buChar char="•"/>
+            </a:pPr>
+            <a:r>
+              <a:rPr lang="en-US" b="1" dirty="0"/>
+              <a:t> Distributed System:</a:t>
+            </a:r>
+            <a:r>
+              <a:rPr lang="en-US" dirty="0"/>
+              <a:t> Everyone has a full project copy, ensuring no data is lost.</a:t>
+            </a:r>
+          </a:p>
+        </p:txBody>
+      </p:sp>
+    </p:spTree>
+    <p:extLst>
+      <p:ext uri="{BB962C8B-B14F-4D97-AF65-F5344CB8AC3E}">
+        <p14:creationId xmlns:p14="http://schemas.microsoft.com/office/powerpoint/2010/main" val="944604042"/>
+      </p:ext>
+    </p:extLst>
+  </p:cSld>
+  <p:clrMapOvr>
+    <a:masterClrMapping/>
+  </p:clrMapOvr>
+</p:sld>
+</file>
+
+<file path=ppt/slides/slide5.xml><?xml version="1.0" encoding="utf-8"?>
+<p:sld xmlns:a="http://schemas.openxmlformats.org/drawingml/2006/main" xmlns:r="http://schemas.openxmlformats.org/officeDocument/2006/relationships" xmlns:p="http://schemas.openxmlformats.org/presentationml/2006/main">
+  <p:cSld>
+    <p:spTree>
+      <p:nvGrpSpPr>
+        <p:cNvPr id="1" name=""/>
+        <p:cNvGrpSpPr/>
+        <p:nvPr/>
+      </p:nvGrpSpPr>
+      <p:grpSpPr>
+        <a:xfrm>
+          <a:off x="0" y="0"/>
+          <a:ext cx="0" cy="0"/>
+          <a:chOff x="0" y="0"/>
+          <a:chExt cx="0" cy="0"/>
+        </a:xfrm>
+      </p:grpSpPr>
+      <p:pic>
+        <p:nvPicPr>
+          <p:cNvPr id="5" name="Picture 4" descr="A logo of a symbol&#10;&#10;Description automatically generated with medium confidence">
+            <a:extLst>
+              <a:ext uri="{FF2B5EF4-FFF2-40B4-BE49-F238E27FC236}">
+                <a16:creationId xmlns:a16="http://schemas.microsoft.com/office/drawing/2014/main" id="{3A357AE7-C93F-65E6-4966-6FDE81490C3C}"/>
+              </a:ext>
+            </a:extLst>
+          </p:cNvPr>
+          <p:cNvPicPr>
+            <a:picLocks noChangeAspect="1"/>
+          </p:cNvPicPr>
+          <p:nvPr/>
+        </p:nvPicPr>
+        <p:blipFill>
+          <a:blip r:embed="rId2">
+            <a:extLst>
+              <a:ext uri="{28A0092B-C50C-407E-A947-70E740481C1C}">
+                <a14:useLocalDpi xmlns:a14="http://schemas.microsoft.com/office/drawing/2010/main" val="0"/>
+              </a:ext>
+            </a:extLst>
+          </a:blip>
+          <a:stretch>
+            <a:fillRect/>
+          </a:stretch>
+        </p:blipFill>
+        <p:spPr>
+          <a:xfrm>
+            <a:off x="10927977" y="0"/>
+            <a:ext cx="1264024" cy="1264024"/>
+          </a:xfrm>
+          <a:prstGeom prst="rect">
+            <a:avLst/>
+          </a:prstGeom>
+        </p:spPr>
+      </p:pic>
+      <p:sp>
+        <p:nvSpPr>
+          <p:cNvPr id="2" name="TextBox 1">
+            <a:extLst>
+              <a:ext uri="{FF2B5EF4-FFF2-40B4-BE49-F238E27FC236}">
+                <a16:creationId xmlns:a16="http://schemas.microsoft.com/office/drawing/2014/main" id="{8D3653A0-3F4E-0096-CC6E-614E948A5790}"/>
+              </a:ext>
+            </a:extLst>
+          </p:cNvPr>
+          <p:cNvSpPr txBox="1"/>
+          <p:nvPr/>
+        </p:nvSpPr>
+        <p:spPr>
+          <a:xfrm>
+            <a:off x="3765176" y="346286"/>
+            <a:ext cx="6239436" cy="1323439"/>
+          </a:xfrm>
+          <a:prstGeom prst="rect">
+            <a:avLst/>
+          </a:prstGeom>
+          <a:noFill/>
+        </p:spPr>
+        <p:txBody>
+          <a:bodyPr wrap="square" rtlCol="0">
+            <a:spAutoFit/>
+          </a:bodyPr>
+          <a:lstStyle/>
+          <a:p>
+            <a:r>
+              <a:rPr lang="en-US" sz="4000" dirty="0">
+                <a:solidFill>
+                  <a:srgbClr val="7030A0"/>
+                </a:solidFill>
+              </a:rPr>
               <a:t>How Does git Works</a:t>
             </a:r>
             <a:r>
@@ -4783,7 +5532,7 @@
 </p:sld>
 </file>
 
-<file path=ppt/slides/slide5.xml><?xml version="1.0" encoding="utf-8"?>
+<file path=ppt/slides/slide6.xml><?xml version="1.0" encoding="utf-8"?>
 <p:sld xmlns:a="http://schemas.openxmlformats.org/drawingml/2006/main" xmlns:r="http://schemas.openxmlformats.org/officeDocument/2006/relationships" xmlns:p="http://schemas.openxmlformats.org/presentationml/2006/main">
   <p:cSld>
     <p:spTree>
